--- a/360VSOD/show/figure_update/fig_curve_test.pptx
+++ b/360VSOD/show/figure_update/fig_curve_test.pptx
@@ -104,6 +104,11 @@
       </a:defRPr>
     </a:lvl9pPr>
   </p:defaultTextStyle>
+  <p:extLst>
+    <p:ext uri="{EFAFB233-063F-42B5-8137-9DF3F51BA10A}">
+      <p15:sldGuideLst xmlns:p15="http://schemas.microsoft.com/office/powerpoint/2012/main"/>
+    </p:ext>
+  </p:extLst>
 </p:presentation>
 </file>
 
@@ -238,7 +243,7 @@
           <a:p>
             <a:fld id="{F9CF1B5F-5709-3040-99CF-12A040FCAD79}" type="datetimeFigureOut">
               <a:rPr lang="en-US" smtClean="0"/>
-              <a:t>9/22/20</a:t>
+              <a:t>9/23/20</a:t>
             </a:fld>
             <a:endParaRPr lang="en-US"/>
           </a:p>
@@ -408,7 +413,7 @@
           <a:p>
             <a:fld id="{F9CF1B5F-5709-3040-99CF-12A040FCAD79}" type="datetimeFigureOut">
               <a:rPr lang="en-US" smtClean="0"/>
-              <a:t>9/22/20</a:t>
+              <a:t>9/23/20</a:t>
             </a:fld>
             <a:endParaRPr lang="en-US"/>
           </a:p>
@@ -588,7 +593,7 @@
           <a:p>
             <a:fld id="{F9CF1B5F-5709-3040-99CF-12A040FCAD79}" type="datetimeFigureOut">
               <a:rPr lang="en-US" smtClean="0"/>
-              <a:t>9/22/20</a:t>
+              <a:t>9/23/20</a:t>
             </a:fld>
             <a:endParaRPr lang="en-US"/>
           </a:p>
@@ -758,7 +763,7 @@
           <a:p>
             <a:fld id="{F9CF1B5F-5709-3040-99CF-12A040FCAD79}" type="datetimeFigureOut">
               <a:rPr lang="en-US" smtClean="0"/>
-              <a:t>9/22/20</a:t>
+              <a:t>9/23/20</a:t>
             </a:fld>
             <a:endParaRPr lang="en-US"/>
           </a:p>
@@ -1004,7 +1009,7 @@
           <a:p>
             <a:fld id="{F9CF1B5F-5709-3040-99CF-12A040FCAD79}" type="datetimeFigureOut">
               <a:rPr lang="en-US" smtClean="0"/>
-              <a:t>9/22/20</a:t>
+              <a:t>9/23/20</a:t>
             </a:fld>
             <a:endParaRPr lang="en-US"/>
           </a:p>
@@ -1236,7 +1241,7 @@
           <a:p>
             <a:fld id="{F9CF1B5F-5709-3040-99CF-12A040FCAD79}" type="datetimeFigureOut">
               <a:rPr lang="en-US" smtClean="0"/>
-              <a:t>9/22/20</a:t>
+              <a:t>9/23/20</a:t>
             </a:fld>
             <a:endParaRPr lang="en-US"/>
           </a:p>
@@ -1603,7 +1608,7 @@
           <a:p>
             <a:fld id="{F9CF1B5F-5709-3040-99CF-12A040FCAD79}" type="datetimeFigureOut">
               <a:rPr lang="en-US" smtClean="0"/>
-              <a:t>9/22/20</a:t>
+              <a:t>9/23/20</a:t>
             </a:fld>
             <a:endParaRPr lang="en-US"/>
           </a:p>
@@ -1721,7 +1726,7 @@
           <a:p>
             <a:fld id="{F9CF1B5F-5709-3040-99CF-12A040FCAD79}" type="datetimeFigureOut">
               <a:rPr lang="en-US" smtClean="0"/>
-              <a:t>9/22/20</a:t>
+              <a:t>9/23/20</a:t>
             </a:fld>
             <a:endParaRPr lang="en-US"/>
           </a:p>
@@ -1816,7 +1821,7 @@
           <a:p>
             <a:fld id="{F9CF1B5F-5709-3040-99CF-12A040FCAD79}" type="datetimeFigureOut">
               <a:rPr lang="en-US" smtClean="0"/>
-              <a:t>9/22/20</a:t>
+              <a:t>9/23/20</a:t>
             </a:fld>
             <a:endParaRPr lang="en-US"/>
           </a:p>
@@ -2093,7 +2098,7 @@
           <a:p>
             <a:fld id="{F9CF1B5F-5709-3040-99CF-12A040FCAD79}" type="datetimeFigureOut">
               <a:rPr lang="en-US" smtClean="0"/>
-              <a:t>9/22/20</a:t>
+              <a:t>9/23/20</a:t>
             </a:fld>
             <a:endParaRPr lang="en-US"/>
           </a:p>
@@ -2346,7 +2351,7 @@
           <a:p>
             <a:fld id="{F9CF1B5F-5709-3040-99CF-12A040FCAD79}" type="datetimeFigureOut">
               <a:rPr lang="en-US" smtClean="0"/>
-              <a:t>9/22/20</a:t>
+              <a:t>9/23/20</a:t>
             </a:fld>
             <a:endParaRPr lang="en-US"/>
           </a:p>
@@ -2559,7 +2564,7 @@
           <a:p>
             <a:fld id="{F9CF1B5F-5709-3040-99CF-12A040FCAD79}" type="datetimeFigureOut">
               <a:rPr lang="en-US" smtClean="0"/>
-              <a:t>9/22/20</a:t>
+              <a:t>9/23/20</a:t>
             </a:fld>
             <a:endParaRPr lang="en-US"/>
           </a:p>
@@ -2964,6 +2969,668 @@
           <a:chExt cx="0" cy="0"/>
         </a:xfrm>
       </p:grpSpPr>
+      <p:sp>
+        <p:nvSpPr>
+          <p:cNvPr id="9" name="TextBox 8"/>
+          <p:cNvSpPr txBox="1"/>
+          <p:nvPr/>
+        </p:nvSpPr>
+        <p:spPr>
+          <a:xfrm>
+            <a:off x="3042710" y="6301781"/>
+            <a:ext cx="681746" cy="584775"/>
+          </a:xfrm>
+          <a:prstGeom prst="rect">
+            <a:avLst/>
+          </a:prstGeom>
+          <a:noFill/>
+        </p:spPr>
+        <p:txBody>
+          <a:bodyPr wrap="square" rtlCol="0">
+            <a:spAutoFit/>
+          </a:bodyPr>
+          <a:lstStyle/>
+          <a:p>
+            <a:r>
+              <a:rPr lang="en-US" sz="3200" dirty="0" smtClean="0">
+                <a:latin typeface="Times New Roman" charset="0"/>
+                <a:ea typeface="Times New Roman" charset="0"/>
+                <a:cs typeface="Times New Roman" charset="0"/>
+              </a:rPr>
+              <a:t>(a)  </a:t>
+            </a:r>
+            <a:endParaRPr lang="en-US" sz="3200" dirty="0">
+              <a:latin typeface="Times New Roman" charset="0"/>
+              <a:ea typeface="Times New Roman" charset="0"/>
+              <a:cs typeface="Times New Roman" charset="0"/>
+            </a:endParaRPr>
+          </a:p>
+        </p:txBody>
+      </p:sp>
+      <p:sp>
+        <p:nvSpPr>
+          <p:cNvPr id="10" name="TextBox 9"/>
+          <p:cNvSpPr txBox="1"/>
+          <p:nvPr/>
+        </p:nvSpPr>
+        <p:spPr>
+          <a:xfrm>
+            <a:off x="8721230" y="6301780"/>
+            <a:ext cx="689432" cy="584775"/>
+          </a:xfrm>
+          <a:prstGeom prst="rect">
+            <a:avLst/>
+          </a:prstGeom>
+          <a:noFill/>
+        </p:spPr>
+        <p:txBody>
+          <a:bodyPr wrap="square" rtlCol="0">
+            <a:spAutoFit/>
+          </a:bodyPr>
+          <a:lstStyle/>
+          <a:p>
+            <a:r>
+              <a:rPr lang="en-US" sz="3200" dirty="0" smtClean="0">
+                <a:latin typeface="Times New Roman" charset="0"/>
+                <a:ea typeface="Times New Roman" charset="0"/>
+                <a:cs typeface="Times New Roman" charset="0"/>
+              </a:rPr>
+              <a:t>(b)</a:t>
+            </a:r>
+            <a:r>
+              <a:rPr lang="en-US" sz="3200" b="1" dirty="0" smtClean="0">
+                <a:latin typeface="Times New Roman" charset="0"/>
+                <a:ea typeface="Times New Roman" charset="0"/>
+                <a:cs typeface="Times New Roman" charset="0"/>
+              </a:rPr>
+              <a:t>  </a:t>
+            </a:r>
+            <a:endParaRPr lang="en-US" sz="3200" b="1" dirty="0">
+              <a:latin typeface="Times New Roman" charset="0"/>
+              <a:ea typeface="Times New Roman" charset="0"/>
+              <a:cs typeface="Times New Roman" charset="0"/>
+            </a:endParaRPr>
+          </a:p>
+        </p:txBody>
+      </p:sp>
+      <p:sp>
+        <p:nvSpPr>
+          <p:cNvPr id="11" name="TextBox 10"/>
+          <p:cNvSpPr txBox="1"/>
+          <p:nvPr/>
+        </p:nvSpPr>
+        <p:spPr>
+          <a:xfrm>
+            <a:off x="2454944" y="5903200"/>
+            <a:ext cx="1701826" cy="507831"/>
+          </a:xfrm>
+          <a:prstGeom prst="rect">
+            <a:avLst/>
+          </a:prstGeom>
+          <a:noFill/>
+        </p:spPr>
+        <p:txBody>
+          <a:bodyPr wrap="square" rtlCol="0">
+            <a:spAutoFit/>
+          </a:bodyPr>
+          <a:lstStyle/>
+          <a:p>
+            <a:r>
+              <a:rPr lang="en-US" sz="2700" b="1" dirty="0" smtClean="0">
+                <a:latin typeface="Times New Roman" charset="0"/>
+                <a:ea typeface="Times New Roman" charset="0"/>
+                <a:cs typeface="Times New Roman" charset="0"/>
+              </a:rPr>
+              <a:t>Threshold  </a:t>
+            </a:r>
+            <a:endParaRPr lang="en-US" sz="2700" b="1" dirty="0">
+              <a:latin typeface="Times New Roman" charset="0"/>
+              <a:ea typeface="Times New Roman" charset="0"/>
+              <a:cs typeface="Times New Roman" charset="0"/>
+            </a:endParaRPr>
+          </a:p>
+        </p:txBody>
+      </p:sp>
+      <p:sp>
+        <p:nvSpPr>
+          <p:cNvPr id="12" name="TextBox 11"/>
+          <p:cNvSpPr txBox="1"/>
+          <p:nvPr/>
+        </p:nvSpPr>
+        <p:spPr>
+          <a:xfrm>
+            <a:off x="1089360" y="5715320"/>
+            <a:ext cx="307075" cy="507831"/>
+          </a:xfrm>
+          <a:prstGeom prst="rect">
+            <a:avLst/>
+          </a:prstGeom>
+          <a:noFill/>
+        </p:spPr>
+        <p:txBody>
+          <a:bodyPr wrap="square" rtlCol="0">
+            <a:spAutoFit/>
+          </a:bodyPr>
+          <a:lstStyle/>
+          <a:p>
+            <a:r>
+              <a:rPr lang="en-US" sz="2700" b="1" dirty="0" smtClean="0">
+                <a:latin typeface="Times New Roman" charset="0"/>
+                <a:ea typeface="Times New Roman" charset="0"/>
+                <a:cs typeface="Times New Roman" charset="0"/>
+              </a:rPr>
+              <a:t>0</a:t>
+            </a:r>
+            <a:endParaRPr lang="en-US" sz="2700" b="1" dirty="0">
+              <a:latin typeface="Times New Roman" charset="0"/>
+              <a:ea typeface="Times New Roman" charset="0"/>
+              <a:cs typeface="Times New Roman" charset="0"/>
+            </a:endParaRPr>
+          </a:p>
+        </p:txBody>
+      </p:sp>
+      <p:sp>
+        <p:nvSpPr>
+          <p:cNvPr id="17" name="TextBox 16"/>
+          <p:cNvSpPr txBox="1"/>
+          <p:nvPr/>
+        </p:nvSpPr>
+        <p:spPr>
+          <a:xfrm>
+            <a:off x="5370732" y="5720381"/>
+            <a:ext cx="719394" cy="507831"/>
+          </a:xfrm>
+          <a:prstGeom prst="rect">
+            <a:avLst/>
+          </a:prstGeom>
+          <a:noFill/>
+        </p:spPr>
+        <p:txBody>
+          <a:bodyPr wrap="square" rtlCol="0">
+            <a:spAutoFit/>
+          </a:bodyPr>
+          <a:lstStyle/>
+          <a:p>
+            <a:r>
+              <a:rPr lang="en-US" sz="2700" b="1" smtClean="0">
+                <a:latin typeface="Times New Roman" charset="0"/>
+                <a:ea typeface="Times New Roman" charset="0"/>
+                <a:cs typeface="Times New Roman" charset="0"/>
+              </a:rPr>
+              <a:t>255</a:t>
+            </a:r>
+            <a:endParaRPr lang="en-US" sz="2700" b="1" dirty="0">
+              <a:latin typeface="Times New Roman" charset="0"/>
+              <a:ea typeface="Times New Roman" charset="0"/>
+              <a:cs typeface="Times New Roman" charset="0"/>
+            </a:endParaRPr>
+          </a:p>
+        </p:txBody>
+      </p:sp>
+      <p:sp>
+        <p:nvSpPr>
+          <p:cNvPr id="18" name="TextBox 17"/>
+          <p:cNvSpPr txBox="1"/>
+          <p:nvPr/>
+        </p:nvSpPr>
+        <p:spPr>
+          <a:xfrm>
+            <a:off x="10743940" y="5715320"/>
+            <a:ext cx="719394" cy="507831"/>
+          </a:xfrm>
+          <a:prstGeom prst="rect">
+            <a:avLst/>
+          </a:prstGeom>
+          <a:noFill/>
+        </p:spPr>
+        <p:txBody>
+          <a:bodyPr wrap="square" rtlCol="0">
+            <a:spAutoFit/>
+          </a:bodyPr>
+          <a:lstStyle/>
+          <a:p>
+            <a:r>
+              <a:rPr lang="en-US" sz="2700" b="1" smtClean="0">
+                <a:latin typeface="Times New Roman" charset="0"/>
+                <a:ea typeface="Times New Roman" charset="0"/>
+                <a:cs typeface="Times New Roman" charset="0"/>
+              </a:rPr>
+              <a:t>255</a:t>
+            </a:r>
+            <a:endParaRPr lang="en-US" sz="2700" b="1" dirty="0">
+              <a:latin typeface="Times New Roman" charset="0"/>
+              <a:ea typeface="Times New Roman" charset="0"/>
+              <a:cs typeface="Times New Roman" charset="0"/>
+            </a:endParaRPr>
+          </a:p>
+        </p:txBody>
+      </p:sp>
+      <p:sp>
+        <p:nvSpPr>
+          <p:cNvPr id="19" name="TextBox 18"/>
+          <p:cNvSpPr txBox="1"/>
+          <p:nvPr/>
+        </p:nvSpPr>
+        <p:spPr>
+          <a:xfrm>
+            <a:off x="6406297" y="5715320"/>
+            <a:ext cx="393141" cy="507831"/>
+          </a:xfrm>
+          <a:prstGeom prst="rect">
+            <a:avLst/>
+          </a:prstGeom>
+          <a:noFill/>
+        </p:spPr>
+        <p:txBody>
+          <a:bodyPr wrap="square" rtlCol="0">
+            <a:spAutoFit/>
+          </a:bodyPr>
+          <a:lstStyle/>
+          <a:p>
+            <a:r>
+              <a:rPr lang="en-US" sz="2700" b="1" dirty="0" smtClean="0">
+                <a:latin typeface="Times New Roman" charset="0"/>
+                <a:ea typeface="Times New Roman" charset="0"/>
+                <a:cs typeface="Times New Roman" charset="0"/>
+              </a:rPr>
+              <a:t>0</a:t>
+            </a:r>
+            <a:endParaRPr lang="en-US" sz="2700" b="1" dirty="0">
+              <a:latin typeface="Times New Roman" charset="0"/>
+              <a:ea typeface="Times New Roman" charset="0"/>
+              <a:cs typeface="Times New Roman" charset="0"/>
+            </a:endParaRPr>
+          </a:p>
+        </p:txBody>
+      </p:sp>
+      <p:sp>
+        <p:nvSpPr>
+          <p:cNvPr id="20" name="TextBox 19"/>
+          <p:cNvSpPr txBox="1"/>
+          <p:nvPr/>
+        </p:nvSpPr>
+        <p:spPr>
+          <a:xfrm>
+            <a:off x="8119798" y="5903200"/>
+            <a:ext cx="1892296" cy="507831"/>
+          </a:xfrm>
+          <a:prstGeom prst="rect">
+            <a:avLst/>
+          </a:prstGeom>
+          <a:noFill/>
+        </p:spPr>
+        <p:txBody>
+          <a:bodyPr wrap="square" rtlCol="0">
+            <a:spAutoFit/>
+          </a:bodyPr>
+          <a:lstStyle/>
+          <a:p>
+            <a:r>
+              <a:rPr lang="en-US" sz="2700" b="1" dirty="0" smtClean="0">
+                <a:latin typeface="Times New Roman" charset="0"/>
+                <a:ea typeface="Times New Roman" charset="0"/>
+                <a:cs typeface="Times New Roman" charset="0"/>
+              </a:rPr>
+              <a:t>Threshold  </a:t>
+            </a:r>
+            <a:endParaRPr lang="en-US" sz="2700" b="1" dirty="0">
+              <a:latin typeface="Times New Roman" charset="0"/>
+              <a:ea typeface="Times New Roman" charset="0"/>
+              <a:cs typeface="Times New Roman" charset="0"/>
+            </a:endParaRPr>
+          </a:p>
+        </p:txBody>
+      </p:sp>
+      <p:sp>
+        <p:nvSpPr>
+          <p:cNvPr id="21" name="TextBox 20"/>
+          <p:cNvSpPr txBox="1"/>
+          <p:nvPr/>
+        </p:nvSpPr>
+        <p:spPr>
+          <a:xfrm>
+            <a:off x="5805189" y="4713038"/>
+            <a:ext cx="994251" cy="507831"/>
+          </a:xfrm>
+          <a:prstGeom prst="rect">
+            <a:avLst/>
+          </a:prstGeom>
+          <a:noFill/>
+        </p:spPr>
+        <p:txBody>
+          <a:bodyPr wrap="square" rtlCol="0">
+            <a:spAutoFit/>
+          </a:bodyPr>
+          <a:lstStyle/>
+          <a:p>
+            <a:r>
+              <a:rPr lang="en-US" sz="2700" b="1" dirty="0" smtClean="0">
+                <a:latin typeface="Times New Roman" charset="0"/>
+                <a:ea typeface="Times New Roman" charset="0"/>
+                <a:cs typeface="Times New Roman" charset="0"/>
+              </a:rPr>
+              <a:t>0.225</a:t>
+            </a:r>
+            <a:endParaRPr lang="en-US" sz="2700" b="1" dirty="0">
+              <a:latin typeface="Times New Roman" charset="0"/>
+              <a:ea typeface="Times New Roman" charset="0"/>
+              <a:cs typeface="Times New Roman" charset="0"/>
+            </a:endParaRPr>
+          </a:p>
+        </p:txBody>
+      </p:sp>
+      <p:sp>
+        <p:nvSpPr>
+          <p:cNvPr id="22" name="TextBox 21"/>
+          <p:cNvSpPr txBox="1"/>
+          <p:nvPr/>
+        </p:nvSpPr>
+        <p:spPr>
+          <a:xfrm>
+            <a:off x="5805188" y="3680929"/>
+            <a:ext cx="994251" cy="507831"/>
+          </a:xfrm>
+          <a:prstGeom prst="rect">
+            <a:avLst/>
+          </a:prstGeom>
+          <a:noFill/>
+        </p:spPr>
+        <p:txBody>
+          <a:bodyPr wrap="square" rtlCol="0">
+            <a:spAutoFit/>
+          </a:bodyPr>
+          <a:lstStyle/>
+          <a:p>
+            <a:r>
+              <a:rPr lang="en-US" sz="2700" b="1" smtClean="0">
+                <a:latin typeface="Times New Roman" charset="0"/>
+                <a:ea typeface="Times New Roman" charset="0"/>
+                <a:cs typeface="Times New Roman" charset="0"/>
+              </a:rPr>
+              <a:t>0.450</a:t>
+            </a:r>
+            <a:endParaRPr lang="en-US" sz="2700" b="1" dirty="0">
+              <a:latin typeface="Times New Roman" charset="0"/>
+              <a:ea typeface="Times New Roman" charset="0"/>
+              <a:cs typeface="Times New Roman" charset="0"/>
+            </a:endParaRPr>
+          </a:p>
+        </p:txBody>
+      </p:sp>
+      <p:sp>
+        <p:nvSpPr>
+          <p:cNvPr id="23" name="TextBox 22"/>
+          <p:cNvSpPr txBox="1"/>
+          <p:nvPr/>
+        </p:nvSpPr>
+        <p:spPr>
+          <a:xfrm>
+            <a:off x="5805188" y="2661663"/>
+            <a:ext cx="994251" cy="507831"/>
+          </a:xfrm>
+          <a:prstGeom prst="rect">
+            <a:avLst/>
+          </a:prstGeom>
+          <a:noFill/>
+        </p:spPr>
+        <p:txBody>
+          <a:bodyPr wrap="square" rtlCol="0">
+            <a:spAutoFit/>
+          </a:bodyPr>
+          <a:lstStyle/>
+          <a:p>
+            <a:r>
+              <a:rPr lang="en-US" sz="2700" b="1" dirty="0" smtClean="0">
+                <a:latin typeface="Times New Roman" charset="0"/>
+                <a:ea typeface="Times New Roman" charset="0"/>
+                <a:cs typeface="Times New Roman" charset="0"/>
+              </a:rPr>
+              <a:t>0.675</a:t>
+            </a:r>
+            <a:endParaRPr lang="en-US" sz="2700" b="1" dirty="0">
+              <a:latin typeface="Times New Roman" charset="0"/>
+              <a:ea typeface="Times New Roman" charset="0"/>
+              <a:cs typeface="Times New Roman" charset="0"/>
+            </a:endParaRPr>
+          </a:p>
+        </p:txBody>
+      </p:sp>
+      <p:sp>
+        <p:nvSpPr>
+          <p:cNvPr id="24" name="TextBox 23"/>
+          <p:cNvSpPr txBox="1"/>
+          <p:nvPr/>
+        </p:nvSpPr>
+        <p:spPr>
+          <a:xfrm>
+            <a:off x="5805188" y="1659381"/>
+            <a:ext cx="994251" cy="507831"/>
+          </a:xfrm>
+          <a:prstGeom prst="rect">
+            <a:avLst/>
+          </a:prstGeom>
+          <a:noFill/>
+        </p:spPr>
+        <p:txBody>
+          <a:bodyPr wrap="square" rtlCol="0">
+            <a:spAutoFit/>
+          </a:bodyPr>
+          <a:lstStyle/>
+          <a:p>
+            <a:r>
+              <a:rPr lang="en-US" sz="2700" b="1" dirty="0" smtClean="0">
+                <a:latin typeface="Times New Roman" charset="0"/>
+                <a:ea typeface="Times New Roman" charset="0"/>
+                <a:cs typeface="Times New Roman" charset="0"/>
+              </a:rPr>
+              <a:t>0.900</a:t>
+            </a:r>
+            <a:endParaRPr lang="en-US" sz="2700" b="1" dirty="0">
+              <a:latin typeface="Times New Roman" charset="0"/>
+              <a:ea typeface="Times New Roman" charset="0"/>
+              <a:cs typeface="Times New Roman" charset="0"/>
+            </a:endParaRPr>
+          </a:p>
+        </p:txBody>
+      </p:sp>
+      <p:sp>
+        <p:nvSpPr>
+          <p:cNvPr id="25" name="TextBox 24"/>
+          <p:cNvSpPr txBox="1"/>
+          <p:nvPr/>
+        </p:nvSpPr>
+        <p:spPr>
+          <a:xfrm>
+            <a:off x="404046" y="4713038"/>
+            <a:ext cx="994251" cy="507831"/>
+          </a:xfrm>
+          <a:prstGeom prst="rect">
+            <a:avLst/>
+          </a:prstGeom>
+          <a:noFill/>
+        </p:spPr>
+        <p:txBody>
+          <a:bodyPr wrap="square" rtlCol="0">
+            <a:spAutoFit/>
+          </a:bodyPr>
+          <a:lstStyle/>
+          <a:p>
+            <a:r>
+              <a:rPr lang="en-US" sz="2700" b="1" smtClean="0">
+                <a:latin typeface="Times New Roman" charset="0"/>
+                <a:ea typeface="Times New Roman" charset="0"/>
+                <a:cs typeface="Times New Roman" charset="0"/>
+              </a:rPr>
+              <a:t>0.150</a:t>
+            </a:r>
+            <a:endParaRPr lang="en-US" sz="2700" b="1" dirty="0">
+              <a:latin typeface="Times New Roman" charset="0"/>
+              <a:ea typeface="Times New Roman" charset="0"/>
+              <a:cs typeface="Times New Roman" charset="0"/>
+            </a:endParaRPr>
+          </a:p>
+        </p:txBody>
+      </p:sp>
+      <p:sp>
+        <p:nvSpPr>
+          <p:cNvPr id="26" name="TextBox 25"/>
+          <p:cNvSpPr txBox="1"/>
+          <p:nvPr/>
+        </p:nvSpPr>
+        <p:spPr>
+          <a:xfrm>
+            <a:off x="404046" y="3680928"/>
+            <a:ext cx="994251" cy="507831"/>
+          </a:xfrm>
+          <a:prstGeom prst="rect">
+            <a:avLst/>
+          </a:prstGeom>
+          <a:noFill/>
+        </p:spPr>
+        <p:txBody>
+          <a:bodyPr wrap="square" rtlCol="0">
+            <a:spAutoFit/>
+          </a:bodyPr>
+          <a:lstStyle/>
+          <a:p>
+            <a:r>
+              <a:rPr lang="en-US" sz="2700" b="1" dirty="0" smtClean="0">
+                <a:latin typeface="Times New Roman" charset="0"/>
+                <a:ea typeface="Times New Roman" charset="0"/>
+                <a:cs typeface="Times New Roman" charset="0"/>
+              </a:rPr>
+              <a:t>0.300</a:t>
+            </a:r>
+            <a:endParaRPr lang="en-US" sz="2700" b="1" dirty="0">
+              <a:latin typeface="Times New Roman" charset="0"/>
+              <a:ea typeface="Times New Roman" charset="0"/>
+              <a:cs typeface="Times New Roman" charset="0"/>
+            </a:endParaRPr>
+          </a:p>
+        </p:txBody>
+      </p:sp>
+      <p:sp>
+        <p:nvSpPr>
+          <p:cNvPr id="27" name="TextBox 26"/>
+          <p:cNvSpPr txBox="1"/>
+          <p:nvPr/>
+        </p:nvSpPr>
+        <p:spPr>
+          <a:xfrm>
+            <a:off x="404046" y="2661663"/>
+            <a:ext cx="994251" cy="507831"/>
+          </a:xfrm>
+          <a:prstGeom prst="rect">
+            <a:avLst/>
+          </a:prstGeom>
+          <a:noFill/>
+        </p:spPr>
+        <p:txBody>
+          <a:bodyPr wrap="square" rtlCol="0">
+            <a:spAutoFit/>
+          </a:bodyPr>
+          <a:lstStyle/>
+          <a:p>
+            <a:r>
+              <a:rPr lang="en-US" sz="2700" b="1" dirty="0" smtClean="0">
+                <a:latin typeface="Times New Roman" charset="0"/>
+                <a:ea typeface="Times New Roman" charset="0"/>
+                <a:cs typeface="Times New Roman" charset="0"/>
+              </a:rPr>
+              <a:t>0.450</a:t>
+            </a:r>
+            <a:endParaRPr lang="en-US" sz="2700" b="1" dirty="0">
+              <a:latin typeface="Times New Roman" charset="0"/>
+              <a:ea typeface="Times New Roman" charset="0"/>
+              <a:cs typeface="Times New Roman" charset="0"/>
+            </a:endParaRPr>
+          </a:p>
+        </p:txBody>
+      </p:sp>
+      <p:sp>
+        <p:nvSpPr>
+          <p:cNvPr id="28" name="TextBox 27"/>
+          <p:cNvSpPr txBox="1"/>
+          <p:nvPr/>
+        </p:nvSpPr>
+        <p:spPr>
+          <a:xfrm>
+            <a:off x="404046" y="1632903"/>
+            <a:ext cx="994251" cy="507831"/>
+          </a:xfrm>
+          <a:prstGeom prst="rect">
+            <a:avLst/>
+          </a:prstGeom>
+          <a:noFill/>
+        </p:spPr>
+        <p:txBody>
+          <a:bodyPr wrap="square" rtlCol="0">
+            <a:spAutoFit/>
+          </a:bodyPr>
+          <a:lstStyle/>
+          <a:p>
+            <a:r>
+              <a:rPr lang="en-US" sz="2700" b="1" smtClean="0">
+                <a:latin typeface="Times New Roman" charset="0"/>
+                <a:ea typeface="Times New Roman" charset="0"/>
+                <a:cs typeface="Times New Roman" charset="0"/>
+              </a:rPr>
+              <a:t>0.600</a:t>
+            </a:r>
+            <a:endParaRPr lang="en-US" sz="2700" b="1" dirty="0">
+              <a:latin typeface="Times New Roman" charset="0"/>
+              <a:ea typeface="Times New Roman" charset="0"/>
+              <a:cs typeface="Times New Roman" charset="0"/>
+            </a:endParaRPr>
+          </a:p>
+        </p:txBody>
+      </p:sp>
+      <p:pic>
+        <p:nvPicPr>
+          <p:cNvPr id="2" name="Picture 1"/>
+          <p:cNvPicPr>
+            <a:picLocks noChangeAspect="1"/>
+          </p:cNvPicPr>
+          <p:nvPr/>
+        </p:nvPicPr>
+        <p:blipFill rotWithShape="1">
+          <a:blip r:embed="rId2"/>
+          <a:srcRect l="17370" t="29875" r="42298" b="3930"/>
+          <a:stretch/>
+        </p:blipFill>
+        <p:spPr>
+          <a:xfrm>
+            <a:off x="1411332" y="1876961"/>
+            <a:ext cx="3944502" cy="4092274"/>
+          </a:xfrm>
+          <a:prstGeom prst="rect">
+            <a:avLst/>
+          </a:prstGeom>
+        </p:spPr>
+      </p:pic>
+      <p:pic>
+        <p:nvPicPr>
+          <p:cNvPr id="4" name="Picture 3"/>
+          <p:cNvPicPr>
+            <a:picLocks noChangeAspect="1"/>
+          </p:cNvPicPr>
+          <p:nvPr/>
+        </p:nvPicPr>
+        <p:blipFill rotWithShape="1">
+          <a:blip r:embed="rId3"/>
+          <a:srcRect l="17061" t="29572" r="41653" b="3166"/>
+          <a:stretch/>
+        </p:blipFill>
+        <p:spPr>
+          <a:xfrm>
+            <a:off x="6800042" y="1857910"/>
+            <a:ext cx="4046451" cy="4160765"/>
+          </a:xfrm>
+          <a:prstGeom prst="rect">
+            <a:avLst/>
+          </a:prstGeom>
+        </p:spPr>
+      </p:pic>
       <p:pic>
         <p:nvPicPr>
           <p:cNvPr id="6" name="Picture 5"/>
@@ -2973,676 +3640,14 @@
           <p:nvPr/>
         </p:nvPicPr>
         <p:blipFill rotWithShape="1">
-          <a:blip r:embed="rId2"/>
-          <a:srcRect l="15188" t="20784" r="1432" b="4024"/>
+          <a:blip r:embed="rId4"/>
+          <a:srcRect l="2001" r="1534" b="81406"/>
           <a:stretch/>
         </p:blipFill>
         <p:spPr>
           <a:xfrm>
-            <a:off x="1306027" y="1887795"/>
-            <a:ext cx="9312256" cy="4267363"/>
-          </a:xfrm>
-          <a:prstGeom prst="rect">
-            <a:avLst/>
-          </a:prstGeom>
-        </p:spPr>
-      </p:pic>
-      <p:pic>
-        <p:nvPicPr>
-          <p:cNvPr id="7" name="Picture 6"/>
-          <p:cNvPicPr>
-            <a:picLocks noChangeAspect="1"/>
-          </p:cNvPicPr>
-          <p:nvPr/>
-        </p:nvPicPr>
-        <p:blipFill rotWithShape="1">
-          <a:blip r:embed="rId3"/>
-          <a:srcRect l="16399" t="19761" r="41120" b="4159"/>
-          <a:stretch/>
-        </p:blipFill>
-        <p:spPr>
-          <a:xfrm>
-            <a:off x="6712064" y="1889614"/>
-            <a:ext cx="4196239" cy="4267363"/>
-          </a:xfrm>
-          <a:prstGeom prst="rect">
-            <a:avLst/>
-          </a:prstGeom>
-        </p:spPr>
-      </p:pic>
-      <p:sp>
-        <p:nvSpPr>
-          <p:cNvPr id="9" name="TextBox 8"/>
-          <p:cNvSpPr txBox="1"/>
-          <p:nvPr/>
-        </p:nvSpPr>
-        <p:spPr>
-          <a:xfrm>
-            <a:off x="3012430" y="6334780"/>
-            <a:ext cx="681746" cy="584775"/>
-          </a:xfrm>
-          <a:prstGeom prst="rect">
-            <a:avLst/>
-          </a:prstGeom>
-          <a:noFill/>
-        </p:spPr>
-        <p:txBody>
-          <a:bodyPr wrap="square" rtlCol="0">
-            <a:spAutoFit/>
-          </a:bodyPr>
-          <a:lstStyle/>
-          <a:p>
-            <a:r>
-              <a:rPr lang="en-US" sz="3200" dirty="0" smtClean="0">
-                <a:latin typeface="Times New Roman" charset="0"/>
-                <a:ea typeface="Times New Roman" charset="0"/>
-                <a:cs typeface="Times New Roman" charset="0"/>
-              </a:rPr>
-              <a:t>(a)  </a:t>
-            </a:r>
-            <a:endParaRPr lang="en-US" sz="3200" dirty="0">
-              <a:latin typeface="Times New Roman" charset="0"/>
-              <a:ea typeface="Times New Roman" charset="0"/>
-              <a:cs typeface="Times New Roman" charset="0"/>
-            </a:endParaRPr>
-          </a:p>
-        </p:txBody>
-      </p:sp>
-      <p:sp>
-        <p:nvSpPr>
-          <p:cNvPr id="10" name="TextBox 9"/>
-          <p:cNvSpPr txBox="1"/>
-          <p:nvPr/>
-        </p:nvSpPr>
-        <p:spPr>
-          <a:xfrm>
-            <a:off x="8721230" y="6370325"/>
-            <a:ext cx="689432" cy="584775"/>
-          </a:xfrm>
-          <a:prstGeom prst="rect">
-            <a:avLst/>
-          </a:prstGeom>
-          <a:noFill/>
-        </p:spPr>
-        <p:txBody>
-          <a:bodyPr wrap="square" rtlCol="0">
-            <a:spAutoFit/>
-          </a:bodyPr>
-          <a:lstStyle/>
-          <a:p>
-            <a:r>
-              <a:rPr lang="en-US" sz="3200" dirty="0" smtClean="0">
-                <a:latin typeface="Times New Roman" charset="0"/>
-                <a:ea typeface="Times New Roman" charset="0"/>
-                <a:cs typeface="Times New Roman" charset="0"/>
-              </a:rPr>
-              <a:t>(b)</a:t>
-            </a:r>
-            <a:r>
-              <a:rPr lang="en-US" sz="3200" b="1" dirty="0" smtClean="0">
-                <a:latin typeface="Times New Roman" charset="0"/>
-                <a:ea typeface="Times New Roman" charset="0"/>
-                <a:cs typeface="Times New Roman" charset="0"/>
-              </a:rPr>
-              <a:t>  </a:t>
-            </a:r>
-            <a:endParaRPr lang="en-US" sz="3200" b="1" dirty="0">
-              <a:latin typeface="Times New Roman" charset="0"/>
-              <a:ea typeface="Times New Roman" charset="0"/>
-              <a:cs typeface="Times New Roman" charset="0"/>
-            </a:endParaRPr>
-          </a:p>
-        </p:txBody>
-      </p:sp>
-      <p:sp>
-        <p:nvSpPr>
-          <p:cNvPr id="11" name="TextBox 10"/>
-          <p:cNvSpPr txBox="1"/>
-          <p:nvPr/>
-        </p:nvSpPr>
-        <p:spPr>
-          <a:xfrm>
-            <a:off x="2454944" y="6007916"/>
-            <a:ext cx="1701826" cy="507831"/>
-          </a:xfrm>
-          <a:prstGeom prst="rect">
-            <a:avLst/>
-          </a:prstGeom>
-          <a:noFill/>
-        </p:spPr>
-        <p:txBody>
-          <a:bodyPr wrap="square" rtlCol="0">
-            <a:spAutoFit/>
-          </a:bodyPr>
-          <a:lstStyle/>
-          <a:p>
-            <a:r>
-              <a:rPr lang="en-US" sz="2700" b="1" dirty="0" smtClean="0">
-                <a:latin typeface="Times New Roman" charset="0"/>
-                <a:ea typeface="Times New Roman" charset="0"/>
-                <a:cs typeface="Times New Roman" charset="0"/>
-              </a:rPr>
-              <a:t>Threshold  </a:t>
-            </a:r>
-            <a:endParaRPr lang="en-US" sz="2700" b="1" dirty="0">
-              <a:latin typeface="Times New Roman" charset="0"/>
-              <a:ea typeface="Times New Roman" charset="0"/>
-              <a:cs typeface="Times New Roman" charset="0"/>
-            </a:endParaRPr>
-          </a:p>
-        </p:txBody>
-      </p:sp>
-      <p:sp>
-        <p:nvSpPr>
-          <p:cNvPr id="12" name="TextBox 11"/>
-          <p:cNvSpPr txBox="1"/>
-          <p:nvPr/>
-        </p:nvSpPr>
-        <p:spPr>
-          <a:xfrm>
-            <a:off x="1089360" y="5862494"/>
-            <a:ext cx="307075" cy="507831"/>
-          </a:xfrm>
-          <a:prstGeom prst="rect">
-            <a:avLst/>
-          </a:prstGeom>
-          <a:noFill/>
-        </p:spPr>
-        <p:txBody>
-          <a:bodyPr wrap="square" rtlCol="0">
-            <a:spAutoFit/>
-          </a:bodyPr>
-          <a:lstStyle/>
-          <a:p>
-            <a:r>
-              <a:rPr lang="en-US" sz="2700" b="1" dirty="0" smtClean="0">
-                <a:latin typeface="Times New Roman" charset="0"/>
-                <a:ea typeface="Times New Roman" charset="0"/>
-                <a:cs typeface="Times New Roman" charset="0"/>
-              </a:rPr>
-              <a:t>0</a:t>
-            </a:r>
-            <a:endParaRPr lang="en-US" sz="2700" b="1" dirty="0">
-              <a:latin typeface="Times New Roman" charset="0"/>
-              <a:ea typeface="Times New Roman" charset="0"/>
-              <a:cs typeface="Times New Roman" charset="0"/>
-            </a:endParaRPr>
-          </a:p>
-        </p:txBody>
-      </p:sp>
-      <p:sp>
-        <p:nvSpPr>
-          <p:cNvPr id="17" name="TextBox 16"/>
-          <p:cNvSpPr txBox="1"/>
-          <p:nvPr/>
-        </p:nvSpPr>
-        <p:spPr>
-          <a:xfrm>
-            <a:off x="5370732" y="5867555"/>
-            <a:ext cx="719394" cy="507831"/>
-          </a:xfrm>
-          <a:prstGeom prst="rect">
-            <a:avLst/>
-          </a:prstGeom>
-          <a:noFill/>
-        </p:spPr>
-        <p:txBody>
-          <a:bodyPr wrap="square" rtlCol="0">
-            <a:spAutoFit/>
-          </a:bodyPr>
-          <a:lstStyle/>
-          <a:p>
-            <a:r>
-              <a:rPr lang="en-US" sz="2700" b="1" smtClean="0">
-                <a:latin typeface="Times New Roman" charset="0"/>
-                <a:ea typeface="Times New Roman" charset="0"/>
-                <a:cs typeface="Times New Roman" charset="0"/>
-              </a:rPr>
-              <a:t>255</a:t>
-            </a:r>
-            <a:endParaRPr lang="en-US" sz="2700" b="1" dirty="0">
-              <a:latin typeface="Times New Roman" charset="0"/>
-              <a:ea typeface="Times New Roman" charset="0"/>
-              <a:cs typeface="Times New Roman" charset="0"/>
-            </a:endParaRPr>
-          </a:p>
-        </p:txBody>
-      </p:sp>
-      <p:sp>
-        <p:nvSpPr>
-          <p:cNvPr id="18" name="TextBox 17"/>
-          <p:cNvSpPr txBox="1"/>
-          <p:nvPr/>
-        </p:nvSpPr>
-        <p:spPr>
-          <a:xfrm>
-            <a:off x="10743940" y="5862494"/>
-            <a:ext cx="719394" cy="507831"/>
-          </a:xfrm>
-          <a:prstGeom prst="rect">
-            <a:avLst/>
-          </a:prstGeom>
-          <a:noFill/>
-        </p:spPr>
-        <p:txBody>
-          <a:bodyPr wrap="square" rtlCol="0">
-            <a:spAutoFit/>
-          </a:bodyPr>
-          <a:lstStyle/>
-          <a:p>
-            <a:r>
-              <a:rPr lang="en-US" sz="2700" b="1" smtClean="0">
-                <a:latin typeface="Times New Roman" charset="0"/>
-                <a:ea typeface="Times New Roman" charset="0"/>
-                <a:cs typeface="Times New Roman" charset="0"/>
-              </a:rPr>
-              <a:t>255</a:t>
-            </a:r>
-            <a:endParaRPr lang="en-US" sz="2700" b="1" dirty="0">
-              <a:latin typeface="Times New Roman" charset="0"/>
-              <a:ea typeface="Times New Roman" charset="0"/>
-              <a:cs typeface="Times New Roman" charset="0"/>
-            </a:endParaRPr>
-          </a:p>
-        </p:txBody>
-      </p:sp>
-      <p:sp>
-        <p:nvSpPr>
-          <p:cNvPr id="19" name="TextBox 18"/>
-          <p:cNvSpPr txBox="1"/>
-          <p:nvPr/>
-        </p:nvSpPr>
-        <p:spPr>
-          <a:xfrm>
-            <a:off x="6406297" y="5862494"/>
-            <a:ext cx="393141" cy="507831"/>
-          </a:xfrm>
-          <a:prstGeom prst="rect">
-            <a:avLst/>
-          </a:prstGeom>
-          <a:noFill/>
-        </p:spPr>
-        <p:txBody>
-          <a:bodyPr wrap="square" rtlCol="0">
-            <a:spAutoFit/>
-          </a:bodyPr>
-          <a:lstStyle/>
-          <a:p>
-            <a:r>
-              <a:rPr lang="en-US" sz="2700" b="1" dirty="0" smtClean="0">
-                <a:latin typeface="Times New Roman" charset="0"/>
-                <a:ea typeface="Times New Roman" charset="0"/>
-                <a:cs typeface="Times New Roman" charset="0"/>
-              </a:rPr>
-              <a:t>0</a:t>
-            </a:r>
-            <a:endParaRPr lang="en-US" sz="2700" b="1" dirty="0">
-              <a:latin typeface="Times New Roman" charset="0"/>
-              <a:ea typeface="Times New Roman" charset="0"/>
-              <a:cs typeface="Times New Roman" charset="0"/>
-            </a:endParaRPr>
-          </a:p>
-        </p:txBody>
-      </p:sp>
-      <p:sp>
-        <p:nvSpPr>
-          <p:cNvPr id="20" name="TextBox 19"/>
-          <p:cNvSpPr txBox="1"/>
-          <p:nvPr/>
-        </p:nvSpPr>
-        <p:spPr>
-          <a:xfrm>
-            <a:off x="8119798" y="6007917"/>
-            <a:ext cx="1892296" cy="507831"/>
-          </a:xfrm>
-          <a:prstGeom prst="rect">
-            <a:avLst/>
-          </a:prstGeom>
-          <a:noFill/>
-        </p:spPr>
-        <p:txBody>
-          <a:bodyPr wrap="square" rtlCol="0">
-            <a:spAutoFit/>
-          </a:bodyPr>
-          <a:lstStyle/>
-          <a:p>
-            <a:r>
-              <a:rPr lang="en-US" sz="2700" b="1" dirty="0" smtClean="0">
-                <a:latin typeface="Times New Roman" charset="0"/>
-                <a:ea typeface="Times New Roman" charset="0"/>
-                <a:cs typeface="Times New Roman" charset="0"/>
-              </a:rPr>
-              <a:t>Threshold  </a:t>
-            </a:r>
-            <a:endParaRPr lang="en-US" sz="2700" b="1" dirty="0">
-              <a:latin typeface="Times New Roman" charset="0"/>
-              <a:ea typeface="Times New Roman" charset="0"/>
-              <a:cs typeface="Times New Roman" charset="0"/>
-            </a:endParaRPr>
-          </a:p>
-        </p:txBody>
-      </p:sp>
-      <p:sp>
-        <p:nvSpPr>
-          <p:cNvPr id="21" name="TextBox 20"/>
-          <p:cNvSpPr txBox="1"/>
-          <p:nvPr/>
-        </p:nvSpPr>
-        <p:spPr>
-          <a:xfrm>
-            <a:off x="5805189" y="4860212"/>
-            <a:ext cx="994251" cy="507831"/>
-          </a:xfrm>
-          <a:prstGeom prst="rect">
-            <a:avLst/>
-          </a:prstGeom>
-          <a:noFill/>
-        </p:spPr>
-        <p:txBody>
-          <a:bodyPr wrap="square" rtlCol="0">
-            <a:spAutoFit/>
-          </a:bodyPr>
-          <a:lstStyle/>
-          <a:p>
-            <a:r>
-              <a:rPr lang="en-US" sz="2700" b="1" dirty="0" smtClean="0">
-                <a:latin typeface="Times New Roman" charset="0"/>
-                <a:ea typeface="Times New Roman" charset="0"/>
-                <a:cs typeface="Times New Roman" charset="0"/>
-              </a:rPr>
-              <a:t>0.225</a:t>
-            </a:r>
-            <a:endParaRPr lang="en-US" sz="2700" b="1" dirty="0">
-              <a:latin typeface="Times New Roman" charset="0"/>
-              <a:ea typeface="Times New Roman" charset="0"/>
-              <a:cs typeface="Times New Roman" charset="0"/>
-            </a:endParaRPr>
-          </a:p>
-        </p:txBody>
-      </p:sp>
-      <p:sp>
-        <p:nvSpPr>
-          <p:cNvPr id="22" name="TextBox 21"/>
-          <p:cNvSpPr txBox="1"/>
-          <p:nvPr/>
-        </p:nvSpPr>
-        <p:spPr>
-          <a:xfrm>
-            <a:off x="5805188" y="3828103"/>
-            <a:ext cx="994251" cy="507831"/>
-          </a:xfrm>
-          <a:prstGeom prst="rect">
-            <a:avLst/>
-          </a:prstGeom>
-          <a:noFill/>
-        </p:spPr>
-        <p:txBody>
-          <a:bodyPr wrap="square" rtlCol="0">
-            <a:spAutoFit/>
-          </a:bodyPr>
-          <a:lstStyle/>
-          <a:p>
-            <a:r>
-              <a:rPr lang="en-US" sz="2700" b="1" smtClean="0">
-                <a:latin typeface="Times New Roman" charset="0"/>
-                <a:ea typeface="Times New Roman" charset="0"/>
-                <a:cs typeface="Times New Roman" charset="0"/>
-              </a:rPr>
-              <a:t>0.450</a:t>
-            </a:r>
-            <a:endParaRPr lang="en-US" sz="2700" b="1" dirty="0">
-              <a:latin typeface="Times New Roman" charset="0"/>
-              <a:ea typeface="Times New Roman" charset="0"/>
-              <a:cs typeface="Times New Roman" charset="0"/>
-            </a:endParaRPr>
-          </a:p>
-        </p:txBody>
-      </p:sp>
-      <p:sp>
-        <p:nvSpPr>
-          <p:cNvPr id="23" name="TextBox 22"/>
-          <p:cNvSpPr txBox="1"/>
-          <p:nvPr/>
-        </p:nvSpPr>
-        <p:spPr>
-          <a:xfrm>
-            <a:off x="5805188" y="2808837"/>
-            <a:ext cx="994251" cy="507831"/>
-          </a:xfrm>
-          <a:prstGeom prst="rect">
-            <a:avLst/>
-          </a:prstGeom>
-          <a:noFill/>
-        </p:spPr>
-        <p:txBody>
-          <a:bodyPr wrap="square" rtlCol="0">
-            <a:spAutoFit/>
-          </a:bodyPr>
-          <a:lstStyle/>
-          <a:p>
-            <a:r>
-              <a:rPr lang="en-US" sz="2700" b="1" dirty="0" smtClean="0">
-                <a:latin typeface="Times New Roman" charset="0"/>
-                <a:ea typeface="Times New Roman" charset="0"/>
-                <a:cs typeface="Times New Roman" charset="0"/>
-              </a:rPr>
-              <a:t>0.675</a:t>
-            </a:r>
-            <a:endParaRPr lang="en-US" sz="2700" b="1" dirty="0">
-              <a:latin typeface="Times New Roman" charset="0"/>
-              <a:ea typeface="Times New Roman" charset="0"/>
-              <a:cs typeface="Times New Roman" charset="0"/>
-            </a:endParaRPr>
-          </a:p>
-        </p:txBody>
-      </p:sp>
-      <p:sp>
-        <p:nvSpPr>
-          <p:cNvPr id="24" name="TextBox 23"/>
-          <p:cNvSpPr txBox="1"/>
-          <p:nvPr/>
-        </p:nvSpPr>
-        <p:spPr>
-          <a:xfrm>
-            <a:off x="5805188" y="1806555"/>
-            <a:ext cx="994251" cy="507831"/>
-          </a:xfrm>
-          <a:prstGeom prst="rect">
-            <a:avLst/>
-          </a:prstGeom>
-          <a:noFill/>
-        </p:spPr>
-        <p:txBody>
-          <a:bodyPr wrap="square" rtlCol="0">
-            <a:spAutoFit/>
-          </a:bodyPr>
-          <a:lstStyle/>
-          <a:p>
-            <a:r>
-              <a:rPr lang="en-US" sz="2700" b="1" dirty="0" smtClean="0">
-                <a:latin typeface="Times New Roman" charset="0"/>
-                <a:ea typeface="Times New Roman" charset="0"/>
-                <a:cs typeface="Times New Roman" charset="0"/>
-              </a:rPr>
-              <a:t>0.900</a:t>
-            </a:r>
-            <a:endParaRPr lang="en-US" sz="2700" b="1" dirty="0">
-              <a:latin typeface="Times New Roman" charset="0"/>
-              <a:ea typeface="Times New Roman" charset="0"/>
-              <a:cs typeface="Times New Roman" charset="0"/>
-            </a:endParaRPr>
-          </a:p>
-        </p:txBody>
-      </p:sp>
-      <p:sp>
-        <p:nvSpPr>
-          <p:cNvPr id="25" name="TextBox 24"/>
-          <p:cNvSpPr txBox="1"/>
-          <p:nvPr/>
-        </p:nvSpPr>
-        <p:spPr>
-          <a:xfrm>
-            <a:off x="404046" y="4860212"/>
-            <a:ext cx="994251" cy="507831"/>
-          </a:xfrm>
-          <a:prstGeom prst="rect">
-            <a:avLst/>
-          </a:prstGeom>
-          <a:noFill/>
-        </p:spPr>
-        <p:txBody>
-          <a:bodyPr wrap="square" rtlCol="0">
-            <a:spAutoFit/>
-          </a:bodyPr>
-          <a:lstStyle/>
-          <a:p>
-            <a:r>
-              <a:rPr lang="en-US" sz="2700" b="1" smtClean="0">
-                <a:latin typeface="Times New Roman" charset="0"/>
-                <a:ea typeface="Times New Roman" charset="0"/>
-                <a:cs typeface="Times New Roman" charset="0"/>
-              </a:rPr>
-              <a:t>0.150</a:t>
-            </a:r>
-            <a:endParaRPr lang="en-US" sz="2700" b="1" dirty="0">
-              <a:latin typeface="Times New Roman" charset="0"/>
-              <a:ea typeface="Times New Roman" charset="0"/>
-              <a:cs typeface="Times New Roman" charset="0"/>
-            </a:endParaRPr>
-          </a:p>
-        </p:txBody>
-      </p:sp>
-      <p:sp>
-        <p:nvSpPr>
-          <p:cNvPr id="26" name="TextBox 25"/>
-          <p:cNvSpPr txBox="1"/>
-          <p:nvPr/>
-        </p:nvSpPr>
-        <p:spPr>
-          <a:xfrm>
-            <a:off x="404046" y="3828102"/>
-            <a:ext cx="994251" cy="507831"/>
-          </a:xfrm>
-          <a:prstGeom prst="rect">
-            <a:avLst/>
-          </a:prstGeom>
-          <a:noFill/>
-        </p:spPr>
-        <p:txBody>
-          <a:bodyPr wrap="square" rtlCol="0">
-            <a:spAutoFit/>
-          </a:bodyPr>
-          <a:lstStyle/>
-          <a:p>
-            <a:r>
-              <a:rPr lang="en-US" sz="2700" b="1" dirty="0" smtClean="0">
-                <a:latin typeface="Times New Roman" charset="0"/>
-                <a:ea typeface="Times New Roman" charset="0"/>
-                <a:cs typeface="Times New Roman" charset="0"/>
-              </a:rPr>
-              <a:t>0.300</a:t>
-            </a:r>
-            <a:endParaRPr lang="en-US" sz="2700" b="1" dirty="0">
-              <a:latin typeface="Times New Roman" charset="0"/>
-              <a:ea typeface="Times New Roman" charset="0"/>
-              <a:cs typeface="Times New Roman" charset="0"/>
-            </a:endParaRPr>
-          </a:p>
-        </p:txBody>
-      </p:sp>
-      <p:sp>
-        <p:nvSpPr>
-          <p:cNvPr id="27" name="TextBox 26"/>
-          <p:cNvSpPr txBox="1"/>
-          <p:nvPr/>
-        </p:nvSpPr>
-        <p:spPr>
-          <a:xfrm>
-            <a:off x="404046" y="2808837"/>
-            <a:ext cx="994251" cy="507831"/>
-          </a:xfrm>
-          <a:prstGeom prst="rect">
-            <a:avLst/>
-          </a:prstGeom>
-          <a:noFill/>
-        </p:spPr>
-        <p:txBody>
-          <a:bodyPr wrap="square" rtlCol="0">
-            <a:spAutoFit/>
-          </a:bodyPr>
-          <a:lstStyle/>
-          <a:p>
-            <a:r>
-              <a:rPr lang="en-US" sz="2700" b="1" dirty="0" smtClean="0">
-                <a:latin typeface="Times New Roman" charset="0"/>
-                <a:ea typeface="Times New Roman" charset="0"/>
-                <a:cs typeface="Times New Roman" charset="0"/>
-              </a:rPr>
-              <a:t>0.450</a:t>
-            </a:r>
-            <a:endParaRPr lang="en-US" sz="2700" b="1" dirty="0">
-              <a:latin typeface="Times New Roman" charset="0"/>
-              <a:ea typeface="Times New Roman" charset="0"/>
-              <a:cs typeface="Times New Roman" charset="0"/>
-            </a:endParaRPr>
-          </a:p>
-        </p:txBody>
-      </p:sp>
-      <p:sp>
-        <p:nvSpPr>
-          <p:cNvPr id="28" name="TextBox 27"/>
-          <p:cNvSpPr txBox="1"/>
-          <p:nvPr/>
-        </p:nvSpPr>
-        <p:spPr>
-          <a:xfrm>
-            <a:off x="404046" y="1780077"/>
-            <a:ext cx="994251" cy="507831"/>
-          </a:xfrm>
-          <a:prstGeom prst="rect">
-            <a:avLst/>
-          </a:prstGeom>
-          <a:noFill/>
-        </p:spPr>
-        <p:txBody>
-          <a:bodyPr wrap="square" rtlCol="0">
-            <a:spAutoFit/>
-          </a:bodyPr>
-          <a:lstStyle/>
-          <a:p>
-            <a:r>
-              <a:rPr lang="en-US" sz="2700" b="1" smtClean="0">
-                <a:latin typeface="Times New Roman" charset="0"/>
-                <a:ea typeface="Times New Roman" charset="0"/>
-                <a:cs typeface="Times New Roman" charset="0"/>
-              </a:rPr>
-              <a:t>0.600</a:t>
-            </a:r>
-            <a:endParaRPr lang="en-US" sz="2700" b="1" dirty="0">
-              <a:latin typeface="Times New Roman" charset="0"/>
-              <a:ea typeface="Times New Roman" charset="0"/>
-              <a:cs typeface="Times New Roman" charset="0"/>
-            </a:endParaRPr>
-          </a:p>
-        </p:txBody>
-      </p:sp>
-      <p:pic>
-        <p:nvPicPr>
-          <p:cNvPr id="31" name="Picture 30"/>
-          <p:cNvPicPr>
-            <a:picLocks noChangeAspect="1"/>
-          </p:cNvPicPr>
-          <p:nvPr/>
-        </p:nvPicPr>
-        <p:blipFill rotWithShape="1">
-          <a:blip r:embed="rId4"/>
-          <a:srcRect l="3099" r="3372" b="74868"/>
-          <a:stretch/>
-        </p:blipFill>
-        <p:spPr>
-          <a:xfrm>
-            <a:off x="508106" y="-50886"/>
-            <a:ext cx="10981250" cy="1819046"/>
+            <a:off x="404046" y="127759"/>
+            <a:ext cx="11059288" cy="1415509"/>
           </a:xfrm>
           <a:prstGeom prst="rect">
             <a:avLst/>
